--- a/chapters/kvdirect/figure/sys_arch.pptx
+++ b/chapters/kvdirect/figure/sys_arch.pptx
@@ -104,6 +104,11 @@
       </a:defRPr>
     </a:lvl9pPr>
   </p:defaultTextStyle>
+  <p:extLst>
+    <p:ext uri="{EFAFB233-063F-42B5-8137-9DF3F51BA10A}">
+      <p15:sldGuideLst xmlns:p15="http://schemas.microsoft.com/office/powerpoint/2012/main"/>
+    </p:ext>
+  </p:extLst>
 </p:presentation>
 </file>
 
@@ -254,7 +259,7 @@
           <a:p>
             <a:fld id="{72EE717B-02DD-4170-ABB8-76789F0C5953}" type="datetimeFigureOut">
               <a:rPr lang="en-US" smtClean="0"/>
-              <a:t>4/18/2019</a:t>
+              <a:t>5/28/19</a:t>
             </a:fld>
             <a:endParaRPr lang="en-US"/>
           </a:p>
@@ -452,7 +457,7 @@
           <a:p>
             <a:fld id="{72EE717B-02DD-4170-ABB8-76789F0C5953}" type="datetimeFigureOut">
               <a:rPr lang="en-US" smtClean="0"/>
-              <a:t>4/18/2019</a:t>
+              <a:t>5/28/19</a:t>
             </a:fld>
             <a:endParaRPr lang="en-US"/>
           </a:p>
@@ -660,7 +665,7 @@
           <a:p>
             <a:fld id="{72EE717B-02DD-4170-ABB8-76789F0C5953}" type="datetimeFigureOut">
               <a:rPr lang="en-US" smtClean="0"/>
-              <a:t>4/18/2019</a:t>
+              <a:t>5/28/19</a:t>
             </a:fld>
             <a:endParaRPr lang="en-US"/>
           </a:p>
@@ -858,7 +863,7 @@
           <a:p>
             <a:fld id="{72EE717B-02DD-4170-ABB8-76789F0C5953}" type="datetimeFigureOut">
               <a:rPr lang="en-US" smtClean="0"/>
-              <a:t>4/18/2019</a:t>
+              <a:t>5/28/19</a:t>
             </a:fld>
             <a:endParaRPr lang="en-US"/>
           </a:p>
@@ -1133,7 +1138,7 @@
           <a:p>
             <a:fld id="{72EE717B-02DD-4170-ABB8-76789F0C5953}" type="datetimeFigureOut">
               <a:rPr lang="en-US" smtClean="0"/>
-              <a:t>4/18/2019</a:t>
+              <a:t>5/28/19</a:t>
             </a:fld>
             <a:endParaRPr lang="en-US"/>
           </a:p>
@@ -1398,7 +1403,7 @@
           <a:p>
             <a:fld id="{72EE717B-02DD-4170-ABB8-76789F0C5953}" type="datetimeFigureOut">
               <a:rPr lang="en-US" smtClean="0"/>
-              <a:t>4/18/2019</a:t>
+              <a:t>5/28/19</a:t>
             </a:fld>
             <a:endParaRPr lang="en-US"/>
           </a:p>
@@ -1810,7 +1815,7 @@
           <a:p>
             <a:fld id="{72EE717B-02DD-4170-ABB8-76789F0C5953}" type="datetimeFigureOut">
               <a:rPr lang="en-US" smtClean="0"/>
-              <a:t>4/18/2019</a:t>
+              <a:t>5/28/19</a:t>
             </a:fld>
             <a:endParaRPr lang="en-US"/>
           </a:p>
@@ -1951,7 +1956,7 @@
           <a:p>
             <a:fld id="{72EE717B-02DD-4170-ABB8-76789F0C5953}" type="datetimeFigureOut">
               <a:rPr lang="en-US" smtClean="0"/>
-              <a:t>4/18/2019</a:t>
+              <a:t>5/28/19</a:t>
             </a:fld>
             <a:endParaRPr lang="en-US"/>
           </a:p>
@@ -2064,7 +2069,7 @@
           <a:p>
             <a:fld id="{72EE717B-02DD-4170-ABB8-76789F0C5953}" type="datetimeFigureOut">
               <a:rPr lang="en-US" smtClean="0"/>
-              <a:t>4/18/2019</a:t>
+              <a:t>5/28/19</a:t>
             </a:fld>
             <a:endParaRPr lang="en-US"/>
           </a:p>
@@ -2375,7 +2380,7 @@
           <a:p>
             <a:fld id="{72EE717B-02DD-4170-ABB8-76789F0C5953}" type="datetimeFigureOut">
               <a:rPr lang="en-US" smtClean="0"/>
-              <a:t>4/18/2019</a:t>
+              <a:t>5/28/19</a:t>
             </a:fld>
             <a:endParaRPr lang="en-US"/>
           </a:p>
@@ -2663,7 +2668,7 @@
           <a:p>
             <a:fld id="{72EE717B-02DD-4170-ABB8-76789F0C5953}" type="datetimeFigureOut">
               <a:rPr lang="en-US" smtClean="0"/>
-              <a:t>4/18/2019</a:t>
+              <a:t>5/28/19</a:t>
             </a:fld>
             <a:endParaRPr lang="en-US"/>
           </a:p>
@@ -2904,7 +2909,7 @@
           <a:p>
             <a:fld id="{72EE717B-02DD-4170-ABB8-76789F0C5953}" type="datetimeFigureOut">
               <a:rPr lang="en-US" smtClean="0"/>
-              <a:t>4/18/2019</a:t>
+              <a:t>5/28/19</a:t>
             </a:fld>
             <a:endParaRPr lang="en-US"/>
           </a:p>
@@ -4394,11 +4399,18 @@
           <a:prstGeom prst="can">
             <a:avLst/>
           </a:prstGeom>
-          <a:solidFill>
-            <a:srgbClr val="C00000"/>
-          </a:solidFill>
+          <a:pattFill prst="wdDnDiag">
+            <a:fgClr>
+              <a:srgbClr val="C00000"/>
+            </a:fgClr>
+            <a:bgClr>
+              <a:schemeClr val="bg1"/>
+            </a:bgClr>
+          </a:pattFill>
           <a:ln>
-            <a:noFill/>
+            <a:solidFill>
+              <a:schemeClr val="tx1"/>
+            </a:solidFill>
           </a:ln>
         </p:spPr>
         <p:style>
@@ -4436,89 +4448,49 @@
               </a:spcAft>
             </a:pPr>
             <a:r>
-              <a:rPr kumimoji="1" lang="zh-CN" altLang="en-US" sz="1600" dirty="0">
-                <a:gradFill>
-                  <a:gsLst>
-                    <a:gs pos="0">
-                      <a:srgbClr val="FFFFFF"/>
-                    </a:gs>
-                    <a:gs pos="100000">
-                      <a:srgbClr val="FFFFFF"/>
-                    </a:gs>
-                  </a:gsLst>
-                  <a:lin ang="5400000" scaled="0"/>
-                </a:gradFill>
+              <a:rPr kumimoji="1" lang="zh-CN" altLang="en-US" sz="1600" b="1" dirty="0">
+                <a:solidFill>
+                  <a:schemeClr val="tx1"/>
+                </a:solidFill>
                 <a:ea typeface="Segoe UI" pitchFamily="34" charset="0"/>
                 <a:cs typeface="Segoe UI" pitchFamily="34" charset="0"/>
               </a:rPr>
               <a:t>内存 </a:t>
             </a:r>
             <a:r>
-              <a:rPr kumimoji="1" lang="en-US" altLang="zh-CN" sz="1600" dirty="0">
-                <a:gradFill>
-                  <a:gsLst>
-                    <a:gs pos="0">
-                      <a:srgbClr val="FFFFFF"/>
-                    </a:gs>
-                    <a:gs pos="100000">
-                      <a:srgbClr val="FFFFFF"/>
-                    </a:gs>
-                  </a:gsLst>
-                  <a:lin ang="5400000" scaled="0"/>
-                </a:gradFill>
+              <a:rPr kumimoji="1" lang="en-US" altLang="zh-CN" sz="1600" b="1" dirty="0">
+                <a:solidFill>
+                  <a:schemeClr val="tx1"/>
+                </a:solidFill>
                 <a:ea typeface="Segoe UI" pitchFamily="34" charset="0"/>
                 <a:cs typeface="Segoe UI" pitchFamily="34" charset="0"/>
               </a:rPr>
               <a:t>/</a:t>
             </a:r>
             <a:r>
-              <a:rPr kumimoji="1" lang="zh-CN" altLang="en-US" sz="1600" dirty="0">
-                <a:gradFill>
-                  <a:gsLst>
-                    <a:gs pos="0">
-                      <a:srgbClr val="FFFFFF"/>
-                    </a:gs>
-                    <a:gs pos="100000">
-                      <a:srgbClr val="FFFFFF"/>
-                    </a:gs>
-                  </a:gsLst>
-                  <a:lin ang="5400000" scaled="0"/>
-                </a:gradFill>
+              <a:rPr kumimoji="1" lang="zh-CN" altLang="en-US" sz="1600" b="1" dirty="0">
+                <a:solidFill>
+                  <a:schemeClr val="tx1"/>
+                </a:solidFill>
                 <a:ea typeface="Segoe UI" pitchFamily="34" charset="0"/>
                 <a:cs typeface="Segoe UI" pitchFamily="34" charset="0"/>
               </a:rPr>
               <a:t> </a:t>
             </a:r>
             <a:r>
-              <a:rPr kumimoji="1" lang="en-US" altLang="zh-CN" sz="1600" dirty="0">
-                <a:gradFill>
-                  <a:gsLst>
-                    <a:gs pos="0">
-                      <a:srgbClr val="FFFFFF"/>
-                    </a:gs>
-                    <a:gs pos="100000">
-                      <a:srgbClr val="FFFFFF"/>
-                    </a:gs>
-                  </a:gsLst>
-                  <a:lin ang="5400000" scaled="0"/>
-                </a:gradFill>
+              <a:rPr kumimoji="1" lang="en-US" altLang="zh-CN" sz="1600" b="1" dirty="0">
+                <a:solidFill>
+                  <a:schemeClr val="tx1"/>
+                </a:solidFill>
                 <a:ea typeface="Segoe UI" pitchFamily="34" charset="0"/>
                 <a:cs typeface="Segoe UI" pitchFamily="34" charset="0"/>
               </a:rPr>
               <a:t>Flash</a:t>
             </a:r>
-            <a:endParaRPr kumimoji="1" lang="zh-CN" altLang="en-US" sz="1600" dirty="0">
-              <a:gradFill>
-                <a:gsLst>
-                  <a:gs pos="0">
-                    <a:srgbClr val="FFFFFF"/>
-                  </a:gs>
-                  <a:gs pos="100000">
-                    <a:srgbClr val="FFFFFF"/>
-                  </a:gs>
-                </a:gsLst>
-                <a:lin ang="5400000" scaled="0"/>
-              </a:gradFill>
+            <a:endParaRPr kumimoji="1" lang="zh-CN" altLang="en-US" sz="1600" b="1" dirty="0">
+              <a:solidFill>
+                <a:schemeClr val="tx1"/>
+              </a:solidFill>
               <a:ea typeface="Segoe UI" pitchFamily="34" charset="0"/>
               <a:cs typeface="Segoe UI" pitchFamily="34" charset="0"/>
             </a:endParaRPr>
@@ -5762,10 +5734,18 @@
           <a:prstGeom prst="rect">
             <a:avLst/>
           </a:prstGeom>
-          <a:solidFill>
-            <a:srgbClr val="C00000"/>
-          </a:solidFill>
+          <a:pattFill prst="wdDnDiag">
+            <a:fgClr>
+              <a:srgbClr val="C00000"/>
+            </a:fgClr>
+            <a:bgClr>
+              <a:schemeClr val="bg1"/>
+            </a:bgClr>
+          </a:pattFill>
           <a:ln>
+            <a:solidFill>
+              <a:schemeClr val="tx1"/>
+            </a:solidFill>
             <a:headEnd type="none" w="med" len="med"/>
             <a:tailEnd type="none" w="med" len="med"/>
           </a:ln>
@@ -5807,9 +5787,9 @@
               </a:spcAft>
             </a:pPr>
             <a:r>
-              <a:rPr kumimoji="1" lang="zh-CN" altLang="en-US" sz="1400" dirty="0">
+              <a:rPr kumimoji="1" lang="zh-CN" altLang="en-US" sz="1400" b="1" dirty="0">
                 <a:solidFill>
-                  <a:schemeClr val="bg1"/>
+                  <a:schemeClr val="tx1"/>
                 </a:solidFill>
                 <a:ea typeface="Segoe UI" pitchFamily="34" charset="0"/>
                 <a:cs typeface="Segoe UI" pitchFamily="34" charset="0"/>
@@ -5839,10 +5819,18 @@
           <a:prstGeom prst="rect">
             <a:avLst/>
           </a:prstGeom>
-          <a:solidFill>
-            <a:srgbClr val="C00000"/>
-          </a:solidFill>
+          <a:pattFill prst="wdDnDiag">
+            <a:fgClr>
+              <a:srgbClr val="C00000"/>
+            </a:fgClr>
+            <a:bgClr>
+              <a:schemeClr val="bg1"/>
+            </a:bgClr>
+          </a:pattFill>
           <a:ln>
+            <a:solidFill>
+              <a:schemeClr val="tx1"/>
+            </a:solidFill>
             <a:headEnd type="none" w="med" len="med"/>
             <a:tailEnd type="none" w="med" len="med"/>
           </a:ln>
@@ -5884,9 +5872,9 @@
               </a:spcAft>
             </a:pPr>
             <a:r>
-              <a:rPr kumimoji="1" lang="zh-CN" altLang="en-US" sz="1400" dirty="0">
+              <a:rPr kumimoji="1" lang="zh-CN" altLang="en-US" sz="1400" b="1" dirty="0">
                 <a:solidFill>
-                  <a:schemeClr val="bg1"/>
+                  <a:schemeClr val="tx1"/>
                 </a:solidFill>
                 <a:ea typeface="Segoe UI" pitchFamily="34" charset="0"/>
                 <a:cs typeface="Segoe UI" pitchFamily="34" charset="0"/>
@@ -5916,7 +5904,20 @@
           <a:prstGeom prst="rect">
             <a:avLst/>
           </a:prstGeom>
+          <a:pattFill prst="pct50">
+            <a:fgClr>
+              <a:schemeClr val="bg2">
+                <a:lumMod val="90000"/>
+              </a:schemeClr>
+            </a:fgClr>
+            <a:bgClr>
+              <a:schemeClr val="bg1"/>
+            </a:bgClr>
+          </a:pattFill>
           <a:ln>
+            <a:solidFill>
+              <a:schemeClr val="tx1"/>
+            </a:solidFill>
             <a:headEnd type="none" w="med" len="med"/>
             <a:tailEnd type="none" w="med" len="med"/>
           </a:ln>
@@ -5960,7 +5961,7 @@
             <a:r>
               <a:rPr kumimoji="1" lang="zh-CN" altLang="en-US" sz="1400" dirty="0">
                 <a:solidFill>
-                  <a:schemeClr val="bg1"/>
+                  <a:schemeClr val="tx1"/>
                 </a:solidFill>
                 <a:ea typeface="Segoe UI" pitchFamily="34" charset="0"/>
                 <a:cs typeface="Segoe UI" pitchFamily="34" charset="0"/>
@@ -6425,7 +6426,20 @@
           <a:prstGeom prst="rect">
             <a:avLst/>
           </a:prstGeom>
+          <a:pattFill prst="pct50">
+            <a:fgClr>
+              <a:schemeClr val="bg2">
+                <a:lumMod val="90000"/>
+              </a:schemeClr>
+            </a:fgClr>
+            <a:bgClr>
+              <a:schemeClr val="bg1"/>
+            </a:bgClr>
+          </a:pattFill>
           <a:ln>
+            <a:solidFill>
+              <a:schemeClr val="tx1"/>
+            </a:solidFill>
             <a:headEnd type="none" w="med" len="med"/>
             <a:tailEnd type="none" w="med" len="med"/>
           </a:ln>
@@ -6469,7 +6483,7 @@
             <a:r>
               <a:rPr kumimoji="1" lang="zh-CN" altLang="en-US" sz="1400" dirty="0">
                 <a:solidFill>
-                  <a:schemeClr val="bg1"/>
+                  <a:schemeClr val="tx1"/>
                 </a:solidFill>
                 <a:ea typeface="Segoe UI" pitchFamily="34" charset="0"/>
                 <a:cs typeface="Segoe UI" pitchFamily="34" charset="0"/>
@@ -6499,7 +6513,20 @@
           <a:prstGeom prst="rect">
             <a:avLst/>
           </a:prstGeom>
+          <a:pattFill prst="pct50">
+            <a:fgClr>
+              <a:schemeClr val="bg2">
+                <a:lumMod val="90000"/>
+              </a:schemeClr>
+            </a:fgClr>
+            <a:bgClr>
+              <a:schemeClr val="bg1"/>
+            </a:bgClr>
+          </a:pattFill>
           <a:ln>
+            <a:solidFill>
+              <a:schemeClr val="tx1"/>
+            </a:solidFill>
             <a:headEnd type="none" w="med" len="med"/>
             <a:tailEnd type="none" w="med" len="med"/>
           </a:ln>
@@ -6543,7 +6570,7 @@
             <a:r>
               <a:rPr kumimoji="1" lang="zh-CN" altLang="en-US" sz="1400" dirty="0">
                 <a:solidFill>
-                  <a:schemeClr val="bg1"/>
+                  <a:schemeClr val="tx1"/>
                 </a:solidFill>
                 <a:ea typeface="Segoe UI" pitchFamily="34" charset="0"/>
                 <a:cs typeface="Segoe UI" pitchFamily="34" charset="0"/>
@@ -6913,10 +6940,18 @@
           <a:prstGeom prst="rect">
             <a:avLst/>
           </a:prstGeom>
-          <a:solidFill>
-            <a:srgbClr val="C00000"/>
-          </a:solidFill>
+          <a:pattFill prst="wdDnDiag">
+            <a:fgClr>
+              <a:srgbClr val="C00000"/>
+            </a:fgClr>
+            <a:bgClr>
+              <a:schemeClr val="bg1"/>
+            </a:bgClr>
+          </a:pattFill>
           <a:ln>
+            <a:solidFill>
+              <a:schemeClr val="tx1"/>
+            </a:solidFill>
             <a:headEnd type="none" w="med" len="med"/>
             <a:tailEnd type="none" w="med" len="med"/>
           </a:ln>
@@ -6958,9 +6993,9 @@
               </a:spcAft>
             </a:pPr>
             <a:r>
-              <a:rPr kumimoji="1" lang="zh-CN" altLang="en-US" sz="1400" dirty="0">
+              <a:rPr kumimoji="1" lang="zh-CN" altLang="en-US" sz="1400" b="1" dirty="0">
                 <a:solidFill>
-                  <a:schemeClr val="bg1"/>
+                  <a:schemeClr val="tx1"/>
                 </a:solidFill>
                 <a:ea typeface="Segoe UI" pitchFamily="34" charset="0"/>
                 <a:cs typeface="Segoe UI" pitchFamily="34" charset="0"/>
@@ -6990,10 +7025,18 @@
           <a:prstGeom prst="rect">
             <a:avLst/>
           </a:prstGeom>
-          <a:solidFill>
-            <a:srgbClr val="C00000"/>
-          </a:solidFill>
+          <a:pattFill prst="wdDnDiag">
+            <a:fgClr>
+              <a:srgbClr val="C00000"/>
+            </a:fgClr>
+            <a:bgClr>
+              <a:schemeClr val="bg1"/>
+            </a:bgClr>
+          </a:pattFill>
           <a:ln>
+            <a:solidFill>
+              <a:schemeClr val="tx1"/>
+            </a:solidFill>
             <a:headEnd type="none" w="med" len="med"/>
             <a:tailEnd type="none" w="med" len="med"/>
           </a:ln>
@@ -7035,9 +7078,9 @@
               </a:spcAft>
             </a:pPr>
             <a:r>
-              <a:rPr kumimoji="1" lang="zh-CN" altLang="en-US" sz="1400" dirty="0">
+              <a:rPr kumimoji="1" lang="zh-CN" altLang="en-US" sz="1400" b="1" dirty="0">
                 <a:solidFill>
-                  <a:schemeClr val="bg1"/>
+                  <a:schemeClr val="tx1"/>
                 </a:solidFill>
                 <a:ea typeface="Segoe UI" pitchFamily="34" charset="0"/>
                 <a:cs typeface="Segoe UI" pitchFamily="34" charset="0"/>
@@ -7184,10 +7227,20 @@
           <a:prstGeom prst="rect">
             <a:avLst/>
           </a:prstGeom>
-          <a:solidFill>
-            <a:srgbClr val="007ADB"/>
-          </a:solidFill>
+          <a:pattFill prst="pct50">
+            <a:fgClr>
+              <a:schemeClr val="bg2">
+                <a:lumMod val="90000"/>
+              </a:schemeClr>
+            </a:fgClr>
+            <a:bgClr>
+              <a:schemeClr val="bg1"/>
+            </a:bgClr>
+          </a:pattFill>
           <a:ln>
+            <a:solidFill>
+              <a:schemeClr val="tx1"/>
+            </a:solidFill>
             <a:headEnd type="none" w="med" len="med"/>
             <a:tailEnd type="none" w="med" len="med"/>
           </a:ln>
@@ -7231,7 +7284,7 @@
             <a:r>
               <a:rPr kumimoji="1" lang="zh-CN" altLang="en-US" sz="1400" dirty="0">
                 <a:solidFill>
-                  <a:schemeClr val="bg1"/>
+                  <a:schemeClr val="tx1"/>
                 </a:solidFill>
                 <a:ea typeface="Segoe UI" pitchFamily="34" charset="0"/>
                 <a:cs typeface="Segoe UI" pitchFamily="34" charset="0"/>
@@ -7416,10 +7469,20 @@
           <a:prstGeom prst="rect">
             <a:avLst/>
           </a:prstGeom>
-          <a:solidFill>
-            <a:srgbClr val="007ADB"/>
-          </a:solidFill>
+          <a:pattFill prst="pct50">
+            <a:fgClr>
+              <a:schemeClr val="bg2">
+                <a:lumMod val="90000"/>
+              </a:schemeClr>
+            </a:fgClr>
+            <a:bgClr>
+              <a:schemeClr val="bg1"/>
+            </a:bgClr>
+          </a:pattFill>
           <a:ln>
+            <a:solidFill>
+              <a:schemeClr val="tx1"/>
+            </a:solidFill>
             <a:headEnd type="none" w="med" len="med"/>
             <a:tailEnd type="none" w="med" len="med"/>
           </a:ln>
@@ -7463,7 +7526,7 @@
             <a:r>
               <a:rPr kumimoji="1" lang="zh-CN" altLang="en-US" sz="1400" dirty="0">
                 <a:solidFill>
-                  <a:schemeClr val="bg1"/>
+                  <a:schemeClr val="tx1"/>
                 </a:solidFill>
                 <a:ea typeface="Segoe UI" pitchFamily="34" charset="0"/>
                 <a:cs typeface="Segoe UI" pitchFamily="34" charset="0"/>
@@ -7648,10 +7711,20 @@
           <a:prstGeom prst="rect">
             <a:avLst/>
           </a:prstGeom>
-          <a:solidFill>
-            <a:srgbClr val="007ADB"/>
-          </a:solidFill>
+          <a:pattFill prst="pct50">
+            <a:fgClr>
+              <a:schemeClr val="bg2">
+                <a:lumMod val="90000"/>
+              </a:schemeClr>
+            </a:fgClr>
+            <a:bgClr>
+              <a:schemeClr val="bg1"/>
+            </a:bgClr>
+          </a:pattFill>
           <a:ln>
+            <a:solidFill>
+              <a:schemeClr val="tx1"/>
+            </a:solidFill>
             <a:headEnd type="none" w="med" len="med"/>
             <a:tailEnd type="none" w="med" len="med"/>
           </a:ln>
@@ -7695,7 +7768,7 @@
             <a:r>
               <a:rPr kumimoji="1" lang="zh-CN" altLang="en-US" sz="1400" dirty="0">
                 <a:solidFill>
-                  <a:schemeClr val="bg1"/>
+                  <a:schemeClr val="tx1"/>
                 </a:solidFill>
                 <a:ea typeface="Segoe UI" pitchFamily="34" charset="0"/>
                 <a:cs typeface="Segoe UI" pitchFamily="34" charset="0"/>
@@ -7808,10 +7881,18 @@
           <a:prstGeom prst="can">
             <a:avLst/>
           </a:prstGeom>
-          <a:solidFill>
-            <a:srgbClr val="C00000"/>
-          </a:solidFill>
+          <a:pattFill prst="wdDnDiag">
+            <a:fgClr>
+              <a:srgbClr val="C00000"/>
+            </a:fgClr>
+            <a:bgClr>
+              <a:schemeClr val="bg1"/>
+            </a:bgClr>
+          </a:pattFill>
           <a:ln>
+            <a:solidFill>
+              <a:schemeClr val="tx1"/>
+            </a:solidFill>
             <a:headEnd type="none" w="med" len="med"/>
             <a:tailEnd type="none" w="med" len="med"/>
           </a:ln>
@@ -7853,89 +7934,49 @@
               </a:spcAft>
             </a:pPr>
             <a:r>
-              <a:rPr kumimoji="1" lang="zh-CN" altLang="en-US" sz="1600" dirty="0">
-                <a:gradFill>
-                  <a:gsLst>
-                    <a:gs pos="0">
-                      <a:srgbClr val="FFFFFF"/>
-                    </a:gs>
-                    <a:gs pos="100000">
-                      <a:srgbClr val="FFFFFF"/>
-                    </a:gs>
-                  </a:gsLst>
-                  <a:lin ang="5400000" scaled="0"/>
-                </a:gradFill>
+              <a:rPr kumimoji="1" lang="zh-CN" altLang="en-US" sz="1600" b="1" dirty="0">
+                <a:solidFill>
+                  <a:schemeClr val="tx1"/>
+                </a:solidFill>
                 <a:ea typeface="Segoe UI" pitchFamily="34" charset="0"/>
                 <a:cs typeface="Segoe UI" pitchFamily="34" charset="0"/>
               </a:rPr>
               <a:t>内存 </a:t>
             </a:r>
             <a:r>
-              <a:rPr kumimoji="1" lang="en-US" altLang="zh-CN" sz="1600" dirty="0">
-                <a:gradFill>
-                  <a:gsLst>
-                    <a:gs pos="0">
-                      <a:srgbClr val="FFFFFF"/>
-                    </a:gs>
-                    <a:gs pos="100000">
-                      <a:srgbClr val="FFFFFF"/>
-                    </a:gs>
-                  </a:gsLst>
-                  <a:lin ang="5400000" scaled="0"/>
-                </a:gradFill>
+              <a:rPr kumimoji="1" lang="en-US" altLang="zh-CN" sz="1600" b="1" dirty="0">
+                <a:solidFill>
+                  <a:schemeClr val="tx1"/>
+                </a:solidFill>
                 <a:ea typeface="Segoe UI" pitchFamily="34" charset="0"/>
                 <a:cs typeface="Segoe UI" pitchFamily="34" charset="0"/>
               </a:rPr>
               <a:t>/</a:t>
             </a:r>
             <a:r>
-              <a:rPr kumimoji="1" lang="zh-CN" altLang="en-US" sz="1600" dirty="0">
-                <a:gradFill>
-                  <a:gsLst>
-                    <a:gs pos="0">
-                      <a:srgbClr val="FFFFFF"/>
-                    </a:gs>
-                    <a:gs pos="100000">
-                      <a:srgbClr val="FFFFFF"/>
-                    </a:gs>
-                  </a:gsLst>
-                  <a:lin ang="5400000" scaled="0"/>
-                </a:gradFill>
+              <a:rPr kumimoji="1" lang="zh-CN" altLang="en-US" sz="1600" b="1" dirty="0">
+                <a:solidFill>
+                  <a:schemeClr val="tx1"/>
+                </a:solidFill>
                 <a:ea typeface="Segoe UI" pitchFamily="34" charset="0"/>
                 <a:cs typeface="Segoe UI" pitchFamily="34" charset="0"/>
               </a:rPr>
               <a:t> </a:t>
             </a:r>
             <a:r>
-              <a:rPr kumimoji="1" lang="en-US" altLang="zh-CN" sz="1600" dirty="0">
-                <a:gradFill>
-                  <a:gsLst>
-                    <a:gs pos="0">
-                      <a:srgbClr val="FFFFFF"/>
-                    </a:gs>
-                    <a:gs pos="100000">
-                      <a:srgbClr val="FFFFFF"/>
-                    </a:gs>
-                  </a:gsLst>
-                  <a:lin ang="5400000" scaled="0"/>
-                </a:gradFill>
+              <a:rPr kumimoji="1" lang="en-US" altLang="zh-CN" sz="1600" b="1" dirty="0">
+                <a:solidFill>
+                  <a:schemeClr val="tx1"/>
+                </a:solidFill>
                 <a:ea typeface="Segoe UI" pitchFamily="34" charset="0"/>
                 <a:cs typeface="Segoe UI" pitchFamily="34" charset="0"/>
               </a:rPr>
               <a:t>Flash</a:t>
             </a:r>
-            <a:endParaRPr kumimoji="1" lang="zh-CN" altLang="en-US" sz="1600" dirty="0">
-              <a:gradFill>
-                <a:gsLst>
-                  <a:gs pos="0">
-                    <a:srgbClr val="FFFFFF"/>
-                  </a:gs>
-                  <a:gs pos="100000">
-                    <a:srgbClr val="FFFFFF"/>
-                  </a:gs>
-                </a:gsLst>
-                <a:lin ang="5400000" scaled="0"/>
-              </a:gradFill>
+            <a:endParaRPr kumimoji="1" lang="zh-CN" altLang="en-US" sz="1600" b="1" dirty="0">
+              <a:solidFill>
+                <a:schemeClr val="tx1"/>
+              </a:solidFill>
               <a:ea typeface="Segoe UI" pitchFamily="34" charset="0"/>
               <a:cs typeface="Segoe UI" pitchFamily="34" charset="0"/>
             </a:endParaRPr>
@@ -7962,10 +8003,20 @@
           <a:prstGeom prst="rect">
             <a:avLst/>
           </a:prstGeom>
-          <a:solidFill>
-            <a:srgbClr val="007ADB"/>
-          </a:solidFill>
+          <a:pattFill prst="pct50">
+            <a:fgClr>
+              <a:schemeClr val="bg2">
+                <a:lumMod val="90000"/>
+              </a:schemeClr>
+            </a:fgClr>
+            <a:bgClr>
+              <a:schemeClr val="bg1"/>
+            </a:bgClr>
+          </a:pattFill>
           <a:ln>
+            <a:solidFill>
+              <a:schemeClr val="tx1"/>
+            </a:solidFill>
             <a:headEnd type="none" w="med" len="med"/>
             <a:tailEnd type="none" w="med" len="med"/>
           </a:ln>
@@ -8009,7 +8060,7 @@
             <a:r>
               <a:rPr kumimoji="1" lang="zh-CN" altLang="en-US" sz="1400" dirty="0">
                 <a:solidFill>
-                  <a:schemeClr val="bg1"/>
+                  <a:schemeClr val="tx1"/>
                 </a:solidFill>
                 <a:ea typeface="Segoe UI" pitchFamily="34" charset="0"/>
                 <a:cs typeface="Segoe UI" pitchFamily="34" charset="0"/>
